--- a/Synthese/Cy_04_Synthese_1_Lola/images/Figures.pptx
+++ b/Synthese/Cy_04_Synthese_1_Lola/images/Figures.pptx
@@ -6,6 +6,7 @@
   </p:sldMasterIdLst>
   <p:sldIdLst>
     <p:sldId id="256" r:id="rId2"/>
+    <p:sldId id="257" r:id="rId3"/>
   </p:sldIdLst>
   <p:sldSz cx="12192000" cy="6858000"/>
   <p:notesSz cx="6858000" cy="9144000"/>
@@ -259,7 +260,7 @@
           <a:p>
             <a:fld id="{F16A7A16-2754-4B7C-B7C5-3D0FA7434877}" type="datetimeFigureOut">
               <a:rPr lang="fr-FR" smtClean="0"/>
-              <a:t>01/05/2020</a:t>
+              <a:t>02/05/2020</a:t>
             </a:fld>
             <a:endParaRPr lang="fr-FR"/>
           </a:p>
@@ -457,7 +458,7 @@
           <a:p>
             <a:fld id="{F16A7A16-2754-4B7C-B7C5-3D0FA7434877}" type="datetimeFigureOut">
               <a:rPr lang="fr-FR" smtClean="0"/>
-              <a:t>01/05/2020</a:t>
+              <a:t>02/05/2020</a:t>
             </a:fld>
             <a:endParaRPr lang="fr-FR"/>
           </a:p>
@@ -665,7 +666,7 @@
           <a:p>
             <a:fld id="{F16A7A16-2754-4B7C-B7C5-3D0FA7434877}" type="datetimeFigureOut">
               <a:rPr lang="fr-FR" smtClean="0"/>
-              <a:t>01/05/2020</a:t>
+              <a:t>02/05/2020</a:t>
             </a:fld>
             <a:endParaRPr lang="fr-FR"/>
           </a:p>
@@ -863,7 +864,7 @@
           <a:p>
             <a:fld id="{F16A7A16-2754-4B7C-B7C5-3D0FA7434877}" type="datetimeFigureOut">
               <a:rPr lang="fr-FR" smtClean="0"/>
-              <a:t>01/05/2020</a:t>
+              <a:t>02/05/2020</a:t>
             </a:fld>
             <a:endParaRPr lang="fr-FR"/>
           </a:p>
@@ -1138,7 +1139,7 @@
           <a:p>
             <a:fld id="{F16A7A16-2754-4B7C-B7C5-3D0FA7434877}" type="datetimeFigureOut">
               <a:rPr lang="fr-FR" smtClean="0"/>
-              <a:t>01/05/2020</a:t>
+              <a:t>02/05/2020</a:t>
             </a:fld>
             <a:endParaRPr lang="fr-FR"/>
           </a:p>
@@ -1403,7 +1404,7 @@
           <a:p>
             <a:fld id="{F16A7A16-2754-4B7C-B7C5-3D0FA7434877}" type="datetimeFigureOut">
               <a:rPr lang="fr-FR" smtClean="0"/>
-              <a:t>01/05/2020</a:t>
+              <a:t>02/05/2020</a:t>
             </a:fld>
             <a:endParaRPr lang="fr-FR"/>
           </a:p>
@@ -1815,7 +1816,7 @@
           <a:p>
             <a:fld id="{F16A7A16-2754-4B7C-B7C5-3D0FA7434877}" type="datetimeFigureOut">
               <a:rPr lang="fr-FR" smtClean="0"/>
-              <a:t>01/05/2020</a:t>
+              <a:t>02/05/2020</a:t>
             </a:fld>
             <a:endParaRPr lang="fr-FR"/>
           </a:p>
@@ -1956,7 +1957,7 @@
           <a:p>
             <a:fld id="{F16A7A16-2754-4B7C-B7C5-3D0FA7434877}" type="datetimeFigureOut">
               <a:rPr lang="fr-FR" smtClean="0"/>
-              <a:t>01/05/2020</a:t>
+              <a:t>02/05/2020</a:t>
             </a:fld>
             <a:endParaRPr lang="fr-FR"/>
           </a:p>
@@ -2069,7 +2070,7 @@
           <a:p>
             <a:fld id="{F16A7A16-2754-4B7C-B7C5-3D0FA7434877}" type="datetimeFigureOut">
               <a:rPr lang="fr-FR" smtClean="0"/>
-              <a:t>01/05/2020</a:t>
+              <a:t>02/05/2020</a:t>
             </a:fld>
             <a:endParaRPr lang="fr-FR"/>
           </a:p>
@@ -2380,7 +2381,7 @@
           <a:p>
             <a:fld id="{F16A7A16-2754-4B7C-B7C5-3D0FA7434877}" type="datetimeFigureOut">
               <a:rPr lang="fr-FR" smtClean="0"/>
-              <a:t>01/05/2020</a:t>
+              <a:t>02/05/2020</a:t>
             </a:fld>
             <a:endParaRPr lang="fr-FR"/>
           </a:p>
@@ -2668,7 +2669,7 @@
           <a:p>
             <a:fld id="{F16A7A16-2754-4B7C-B7C5-3D0FA7434877}" type="datetimeFigureOut">
               <a:rPr lang="fr-FR" smtClean="0"/>
-              <a:t>01/05/2020</a:t>
+              <a:t>02/05/2020</a:t>
             </a:fld>
             <a:endParaRPr lang="fr-FR"/>
           </a:p>
@@ -2909,7 +2910,7 @@
           <a:p>
             <a:fld id="{F16A7A16-2754-4B7C-B7C5-3D0FA7434877}" type="datetimeFigureOut">
               <a:rPr lang="fr-FR" smtClean="0"/>
-              <a:t>01/05/2020</a:t>
+              <a:t>02/05/2020</a:t>
             </a:fld>
             <a:endParaRPr lang="fr-FR"/>
           </a:p>
@@ -3910,8 +3911,8 @@
           </a:p>
         </p:txBody>
       </p:sp>
-      <mc:AlternateContent xmlns:mc="http://schemas.openxmlformats.org/markup-compatibility/2006">
-        <mc:Choice xmlns:a14="http://schemas.microsoft.com/office/drawing/2010/main" Requires="a14">
+      <mc:AlternateContent xmlns:mc="http://schemas.openxmlformats.org/markup-compatibility/2006" xmlns:a14="http://schemas.microsoft.com/office/drawing/2010/main">
+        <mc:Choice Requires="a14">
           <p:sp>
             <p:nvSpPr>
               <p:cNvPr id="20" name="ZoneTexte 19">
@@ -4032,7 +4033,7 @@
             </p:txBody>
           </p:sp>
         </mc:Choice>
-        <mc:Fallback>
+        <mc:Fallback xmlns="">
           <p:sp>
             <p:nvSpPr>
               <p:cNvPr id="20" name="ZoneTexte 19">
@@ -4134,8 +4135,8 @@
           </a:p>
         </p:txBody>
       </p:sp>
-      <mc:AlternateContent xmlns:mc="http://schemas.openxmlformats.org/markup-compatibility/2006">
-        <mc:Choice xmlns:a14="http://schemas.microsoft.com/office/drawing/2010/main" Requires="a14">
+      <mc:AlternateContent xmlns:mc="http://schemas.openxmlformats.org/markup-compatibility/2006" xmlns:a14="http://schemas.microsoft.com/office/drawing/2010/main">
+        <mc:Choice Requires="a14">
           <p:sp>
             <p:nvSpPr>
               <p:cNvPr id="23" name="ZoneTexte 22">
@@ -4164,6 +4165,7 @@
               </a:bodyPr>
               <a:lstStyle/>
               <a:p>
+                <a:pPr/>
                 <a14:m>
                   <m:oMathPara xmlns:m="http://schemas.openxmlformats.org/officeDocument/2006/math">
                     <m:oMathParaPr>
@@ -4227,7 +4229,7 @@
             </p:txBody>
           </p:sp>
         </mc:Choice>
-        <mc:Fallback>
+        <mc:Fallback xmlns="">
           <p:sp>
             <p:nvSpPr>
               <p:cNvPr id="23" name="ZoneTexte 22">
@@ -4276,6 +4278,676 @@
     <p:extLst>
       <p:ext uri="{BB962C8B-B14F-4D97-AF65-F5344CB8AC3E}">
         <p14:creationId xmlns:p14="http://schemas.microsoft.com/office/powerpoint/2010/main" val="1516403543"/>
+      </p:ext>
+    </p:extLst>
+  </p:cSld>
+  <p:clrMapOvr>
+    <a:masterClrMapping/>
+  </p:clrMapOvr>
+</p:sld>
+</file>
+
+<file path=ppt/slides/slide2.xml><?xml version="1.0" encoding="utf-8"?>
+<p:sld xmlns:a="http://schemas.openxmlformats.org/drawingml/2006/main" xmlns:r="http://schemas.openxmlformats.org/officeDocument/2006/relationships" xmlns:p="http://schemas.openxmlformats.org/presentationml/2006/main">
+  <p:cSld>
+    <p:spTree>
+      <p:nvGrpSpPr>
+        <p:cNvPr id="1" name=""/>
+        <p:cNvGrpSpPr/>
+        <p:nvPr/>
+      </p:nvGrpSpPr>
+      <p:grpSpPr>
+        <a:xfrm>
+          <a:off x="0" y="0"/>
+          <a:ext cx="0" cy="0"/>
+          <a:chOff x="0" y="0"/>
+          <a:chExt cx="0" cy="0"/>
+        </a:xfrm>
+      </p:grpSpPr>
+      <p:pic>
+        <p:nvPicPr>
+          <p:cNvPr id="5" name="Image 4">
+            <a:extLst>
+              <a:ext uri="{FF2B5EF4-FFF2-40B4-BE49-F238E27FC236}">
+                <a16:creationId xmlns:a16="http://schemas.microsoft.com/office/drawing/2014/main" id="{1309F05C-7FE8-4F1B-BEE0-7AFEB5115882}"/>
+              </a:ext>
+            </a:extLst>
+          </p:cNvPr>
+          <p:cNvPicPr>
+            <a:picLocks noChangeAspect="1"/>
+          </p:cNvPicPr>
+          <p:nvPr/>
+        </p:nvPicPr>
+        <p:blipFill>
+          <a:blip r:embed="rId2">
+            <a:extLst>
+              <a:ext uri="{28A0092B-C50C-407E-A947-70E740481C1C}">
+                <a14:useLocalDpi xmlns:a14="http://schemas.microsoft.com/office/drawing/2010/main" val="0"/>
+              </a:ext>
+            </a:extLst>
+          </a:blip>
+          <a:stretch>
+            <a:fillRect/>
+          </a:stretch>
+        </p:blipFill>
+        <p:spPr>
+          <a:xfrm>
+            <a:off x="1463041" y="61310"/>
+            <a:ext cx="9265918" cy="6735380"/>
+          </a:xfrm>
+          <a:prstGeom prst="rect">
+            <a:avLst/>
+          </a:prstGeom>
+        </p:spPr>
+      </p:pic>
+      <p:cxnSp>
+        <p:nvCxnSpPr>
+          <p:cNvPr id="7" name="Connecteur droit 6">
+            <a:extLst>
+              <a:ext uri="{FF2B5EF4-FFF2-40B4-BE49-F238E27FC236}">
+                <a16:creationId xmlns:a16="http://schemas.microsoft.com/office/drawing/2014/main" id="{B3F7B0BF-31A0-482B-9A2A-0DD03D3172E8}"/>
+              </a:ext>
+            </a:extLst>
+          </p:cNvPr>
+          <p:cNvCxnSpPr>
+            <a:cxnSpLocks/>
+          </p:cNvCxnSpPr>
+          <p:nvPr/>
+        </p:nvCxnSpPr>
+        <p:spPr>
+          <a:xfrm>
+            <a:off x="2133600" y="721360"/>
+            <a:ext cx="2021840" cy="0"/>
+          </a:xfrm>
+          <a:prstGeom prst="line">
+            <a:avLst/>
+          </a:prstGeom>
+          <a:ln w="28575"/>
+        </p:spPr>
+        <p:style>
+          <a:lnRef idx="1">
+            <a:schemeClr val="accent1"/>
+          </a:lnRef>
+          <a:fillRef idx="0">
+            <a:schemeClr val="accent1"/>
+          </a:fillRef>
+          <a:effectRef idx="0">
+            <a:schemeClr val="accent1"/>
+          </a:effectRef>
+          <a:fontRef idx="minor">
+            <a:schemeClr val="tx1"/>
+          </a:fontRef>
+        </p:style>
+      </p:cxnSp>
+      <p:cxnSp>
+        <p:nvCxnSpPr>
+          <p:cNvPr id="9" name="Connecteur droit 8">
+            <a:extLst>
+              <a:ext uri="{FF2B5EF4-FFF2-40B4-BE49-F238E27FC236}">
+                <a16:creationId xmlns:a16="http://schemas.microsoft.com/office/drawing/2014/main" id="{AF17C0AC-CD07-4F1F-9553-5093FEB63481}"/>
+              </a:ext>
+            </a:extLst>
+          </p:cNvPr>
+          <p:cNvCxnSpPr>
+            <a:cxnSpLocks/>
+          </p:cNvCxnSpPr>
+          <p:nvPr/>
+        </p:nvCxnSpPr>
+        <p:spPr>
+          <a:xfrm>
+            <a:off x="3271520" y="670560"/>
+            <a:ext cx="5892800" cy="1717040"/>
+          </a:xfrm>
+          <a:prstGeom prst="line">
+            <a:avLst/>
+          </a:prstGeom>
+          <a:ln w="28575">
+            <a:solidFill>
+              <a:schemeClr val="accent2">
+                <a:lumMod val="75000"/>
+              </a:schemeClr>
+            </a:solidFill>
+          </a:ln>
+        </p:spPr>
+        <p:style>
+          <a:lnRef idx="1">
+            <a:schemeClr val="accent1"/>
+          </a:lnRef>
+          <a:fillRef idx="0">
+            <a:schemeClr val="accent1"/>
+          </a:fillRef>
+          <a:effectRef idx="0">
+            <a:schemeClr val="accent1"/>
+          </a:effectRef>
+          <a:fontRef idx="minor">
+            <a:schemeClr val="tx1"/>
+          </a:fontRef>
+        </p:style>
+      </p:cxnSp>
+      <p:cxnSp>
+        <p:nvCxnSpPr>
+          <p:cNvPr id="13" name="Connecteur droit 12">
+            <a:extLst>
+              <a:ext uri="{FF2B5EF4-FFF2-40B4-BE49-F238E27FC236}">
+                <a16:creationId xmlns:a16="http://schemas.microsoft.com/office/drawing/2014/main" id="{0A5AED54-35BA-4AC3-8907-C19E8836FF94}"/>
+              </a:ext>
+            </a:extLst>
+          </p:cNvPr>
+          <p:cNvCxnSpPr>
+            <a:cxnSpLocks/>
+          </p:cNvCxnSpPr>
+          <p:nvPr/>
+        </p:nvCxnSpPr>
+        <p:spPr>
+          <a:xfrm>
+            <a:off x="6761480" y="1529080"/>
+            <a:ext cx="3832425" cy="1691640"/>
+          </a:xfrm>
+          <a:prstGeom prst="line">
+            <a:avLst/>
+          </a:prstGeom>
+          <a:ln w="28575">
+            <a:solidFill>
+              <a:srgbClr val="00B050"/>
+            </a:solidFill>
+          </a:ln>
+        </p:spPr>
+        <p:style>
+          <a:lnRef idx="1">
+            <a:schemeClr val="accent1"/>
+          </a:lnRef>
+          <a:fillRef idx="0">
+            <a:schemeClr val="accent1"/>
+          </a:fillRef>
+          <a:effectRef idx="0">
+            <a:schemeClr val="accent1"/>
+          </a:effectRef>
+          <a:fontRef idx="minor">
+            <a:schemeClr val="tx1"/>
+          </a:fontRef>
+        </p:style>
+      </p:cxnSp>
+      <p:cxnSp>
+        <p:nvCxnSpPr>
+          <p:cNvPr id="19" name="Connecteur droit avec flèche 18">
+            <a:extLst>
+              <a:ext uri="{FF2B5EF4-FFF2-40B4-BE49-F238E27FC236}">
+                <a16:creationId xmlns:a16="http://schemas.microsoft.com/office/drawing/2014/main" id="{E6E2FB4B-7736-4BB5-9995-B0FCD8617129}"/>
+              </a:ext>
+            </a:extLst>
+          </p:cNvPr>
+          <p:cNvCxnSpPr>
+            <a:cxnSpLocks/>
+          </p:cNvCxnSpPr>
+          <p:nvPr/>
+        </p:nvCxnSpPr>
+        <p:spPr>
+          <a:xfrm>
+            <a:off x="7782560" y="3566160"/>
+            <a:ext cx="0" cy="1513840"/>
+          </a:xfrm>
+          <a:prstGeom prst="straightConnector1">
+            <a:avLst/>
+          </a:prstGeom>
+          <a:ln w="28575">
+            <a:solidFill>
+              <a:srgbClr val="FF0000"/>
+            </a:solidFill>
+            <a:headEnd type="stealth" w="med" len="lg"/>
+            <a:tailEnd type="none"/>
+          </a:ln>
+        </p:spPr>
+        <p:style>
+          <a:lnRef idx="1">
+            <a:schemeClr val="accent1"/>
+          </a:lnRef>
+          <a:fillRef idx="0">
+            <a:schemeClr val="accent1"/>
+          </a:fillRef>
+          <a:effectRef idx="0">
+            <a:schemeClr val="accent1"/>
+          </a:effectRef>
+          <a:fontRef idx="minor">
+            <a:schemeClr val="tx1"/>
+          </a:fontRef>
+        </p:style>
+      </p:cxnSp>
+      <p:cxnSp>
+        <p:nvCxnSpPr>
+          <p:cNvPr id="21" name="Connecteur droit avec flèche 20">
+            <a:extLst>
+              <a:ext uri="{FF2B5EF4-FFF2-40B4-BE49-F238E27FC236}">
+                <a16:creationId xmlns:a16="http://schemas.microsoft.com/office/drawing/2014/main" id="{88A7D80F-57E0-455C-BDB7-63997BB3F4FE}"/>
+              </a:ext>
+            </a:extLst>
+          </p:cNvPr>
+          <p:cNvCxnSpPr>
+            <a:cxnSpLocks/>
+          </p:cNvCxnSpPr>
+          <p:nvPr/>
+        </p:nvCxnSpPr>
+        <p:spPr>
+          <a:xfrm flipV="1">
+            <a:off x="7782560" y="1971040"/>
+            <a:ext cx="0" cy="1457960"/>
+          </a:xfrm>
+          <a:prstGeom prst="straightConnector1">
+            <a:avLst/>
+          </a:prstGeom>
+          <a:ln w="28575">
+            <a:solidFill>
+              <a:srgbClr val="FF0000"/>
+            </a:solidFill>
+            <a:headEnd type="stealth" w="med" len="lg"/>
+            <a:tailEnd type="none"/>
+          </a:ln>
+        </p:spPr>
+        <p:style>
+          <a:lnRef idx="1">
+            <a:schemeClr val="accent1"/>
+          </a:lnRef>
+          <a:fillRef idx="0">
+            <a:schemeClr val="accent1"/>
+          </a:fillRef>
+          <a:effectRef idx="0">
+            <a:schemeClr val="accent1"/>
+          </a:effectRef>
+          <a:fontRef idx="minor">
+            <a:schemeClr val="tx1"/>
+          </a:fontRef>
+        </p:style>
+      </p:cxnSp>
+      <p:cxnSp>
+        <p:nvCxnSpPr>
+          <p:cNvPr id="23" name="Connecteur droit avec flèche 22">
+            <a:extLst>
+              <a:ext uri="{FF2B5EF4-FFF2-40B4-BE49-F238E27FC236}">
+                <a16:creationId xmlns:a16="http://schemas.microsoft.com/office/drawing/2014/main" id="{7F0679EB-86B7-4A60-A329-D4E45E59BF01}"/>
+              </a:ext>
+            </a:extLst>
+          </p:cNvPr>
+          <p:cNvCxnSpPr>
+            <a:cxnSpLocks/>
+          </p:cNvCxnSpPr>
+          <p:nvPr/>
+        </p:nvCxnSpPr>
+        <p:spPr>
+          <a:xfrm flipV="1">
+            <a:off x="3484880" y="721360"/>
+            <a:ext cx="0" cy="2707640"/>
+          </a:xfrm>
+          <a:prstGeom prst="straightConnector1">
+            <a:avLst/>
+          </a:prstGeom>
+          <a:ln w="28575">
+            <a:solidFill>
+              <a:srgbClr val="FF0000"/>
+            </a:solidFill>
+            <a:headEnd type="stealth" w="med" len="lg"/>
+            <a:tailEnd type="none"/>
+          </a:ln>
+        </p:spPr>
+        <p:style>
+          <a:lnRef idx="1">
+            <a:schemeClr val="accent1"/>
+          </a:lnRef>
+          <a:fillRef idx="0">
+            <a:schemeClr val="accent1"/>
+          </a:fillRef>
+          <a:effectRef idx="0">
+            <a:schemeClr val="accent1"/>
+          </a:effectRef>
+          <a:fontRef idx="minor">
+            <a:schemeClr val="tx1"/>
+          </a:fontRef>
+        </p:style>
+      </p:cxnSp>
+      <mc:AlternateContent xmlns:mc="http://schemas.openxmlformats.org/markup-compatibility/2006">
+        <mc:Choice xmlns:a14="http://schemas.microsoft.com/office/drawing/2010/main" Requires="a14">
+          <p:sp>
+            <p:nvSpPr>
+              <p:cNvPr id="25" name="ZoneTexte 24">
+                <a:extLst>
+                  <a:ext uri="{FF2B5EF4-FFF2-40B4-BE49-F238E27FC236}">
+                    <a16:creationId xmlns:a16="http://schemas.microsoft.com/office/drawing/2014/main" id="{9F98CB6E-6FD0-49FC-A3B5-4E8EF96AC7F2}"/>
+                  </a:ext>
+                </a:extLst>
+              </p:cNvPr>
+              <p:cNvSpPr txBox="1"/>
+              <p:nvPr/>
+            </p:nvSpPr>
+            <p:spPr>
+              <a:xfrm>
+                <a:off x="3508956" y="3171971"/>
+                <a:ext cx="1614224" cy="276999"/>
+              </a:xfrm>
+              <a:prstGeom prst="rect">
+                <a:avLst/>
+              </a:prstGeom>
+              <a:solidFill>
+                <a:schemeClr val="bg1"/>
+              </a:solidFill>
+            </p:spPr>
+            <p:txBody>
+              <a:bodyPr wrap="none" lIns="0" tIns="0" rIns="0" bIns="0" rtlCol="0">
+                <a:spAutoFit/>
+              </a:bodyPr>
+              <a:lstStyle/>
+              <a:p>
+                <a14:m>
+                  <m:oMathPara xmlns:m="http://schemas.openxmlformats.org/officeDocument/2006/math">
+                    <m:oMathParaPr>
+                      <m:jc m:val="centerGroup"/>
+                    </m:oMathParaPr>
+                    <m:oMath xmlns:m="http://schemas.openxmlformats.org/officeDocument/2006/math">
+                      <m:sSub>
+                        <m:sSubPr>
+                          <m:ctrlPr>
+                            <a:rPr lang="fr-FR" b="0" i="1" smtClean="0">
+                              <a:latin typeface="Cambria Math" panose="02040503050406030204" pitchFamily="18" charset="0"/>
+                            </a:rPr>
+                          </m:ctrlPr>
+                        </m:sSubPr>
+                        <m:e>
+                          <m:r>
+                            <a:rPr lang="fr-FR" b="0" i="1" smtClean="0">
+                              <a:latin typeface="Cambria Math" panose="02040503050406030204" pitchFamily="18" charset="0"/>
+                            </a:rPr>
+                            <m:t>𝜔</m:t>
+                          </m:r>
+                        </m:e>
+                        <m:sub>
+                          <m:r>
+                            <a:rPr lang="fr-FR" b="0" i="1" smtClean="0">
+                              <a:latin typeface="Cambria Math" panose="02040503050406030204" pitchFamily="18" charset="0"/>
+                            </a:rPr>
+                            <m:t>1</m:t>
+                          </m:r>
+                        </m:sub>
+                      </m:sSub>
+                      <m:r>
+                        <a:rPr lang="fr-FR" b="0" i="1" smtClean="0">
+                          <a:latin typeface="Cambria Math" panose="02040503050406030204" pitchFamily="18" charset="0"/>
+                        </a:rPr>
+                        <m:t>=</m:t>
+                      </m:r>
+                      <m:r>
+                        <a:rPr lang="fr-FR" b="0" i="0" smtClean="0">
+                          <a:latin typeface="Cambria Math" panose="02040503050406030204" pitchFamily="18" charset="0"/>
+                        </a:rPr>
+                        <m:t>1 </m:t>
+                      </m:r>
+                      <m:r>
+                        <m:rPr>
+                          <m:sty m:val="p"/>
+                        </m:rPr>
+                        <a:rPr lang="fr-FR" b="0" i="0" smtClean="0">
+                          <a:latin typeface="Cambria Math" panose="02040503050406030204" pitchFamily="18" charset="0"/>
+                        </a:rPr>
+                        <m:t>rad</m:t>
+                      </m:r>
+                      <m:r>
+                        <a:rPr lang="fr-FR" b="0" i="0" smtClean="0">
+                          <a:latin typeface="Cambria Math" panose="02040503050406030204" pitchFamily="18" charset="0"/>
+                        </a:rPr>
+                        <m:t>.</m:t>
+                      </m:r>
+                      <m:sSup>
+                        <m:sSupPr>
+                          <m:ctrlPr>
+                            <a:rPr lang="fr-FR" b="0" smtClean="0">
+                              <a:latin typeface="Cambria Math" panose="02040503050406030204" pitchFamily="18" charset="0"/>
+                            </a:rPr>
+                          </m:ctrlPr>
+                        </m:sSupPr>
+                        <m:e>
+                          <m:r>
+                            <m:rPr>
+                              <m:sty m:val="p"/>
+                            </m:rPr>
+                            <a:rPr lang="fr-FR" b="0" i="0" smtClean="0">
+                              <a:latin typeface="Cambria Math" panose="02040503050406030204" pitchFamily="18" charset="0"/>
+                            </a:rPr>
+                            <m:t>s</m:t>
+                          </m:r>
+                        </m:e>
+                        <m:sup>
+                          <m:r>
+                            <a:rPr lang="fr-FR" b="0" i="0" smtClean="0">
+                              <a:latin typeface="Cambria Math" panose="02040503050406030204" pitchFamily="18" charset="0"/>
+                            </a:rPr>
+                            <m:t>−1</m:t>
+                          </m:r>
+                        </m:sup>
+                      </m:sSup>
+                    </m:oMath>
+                  </m:oMathPara>
+                </a14:m>
+                <a:endParaRPr lang="fr-FR" dirty="0"/>
+              </a:p>
+            </p:txBody>
+          </p:sp>
+        </mc:Choice>
+        <mc:Fallback>
+          <p:sp>
+            <p:nvSpPr>
+              <p:cNvPr id="25" name="ZoneTexte 24">
+                <a:extLst>
+                  <a:ext uri="{FF2B5EF4-FFF2-40B4-BE49-F238E27FC236}">
+                    <a16:creationId xmlns:a16="http://schemas.microsoft.com/office/drawing/2014/main" id="{9F98CB6E-6FD0-49FC-A3B5-4E8EF96AC7F2}"/>
+                  </a:ext>
+                </a:extLst>
+              </p:cNvPr>
+              <p:cNvSpPr txBox="1">
+                <a:spLocks noRot="1" noChangeAspect="1" noMove="1" noResize="1" noEditPoints="1" noAdjustHandles="1" noChangeArrowheads="1" noChangeShapeType="1" noTextEdit="1"/>
+              </p:cNvSpPr>
+              <p:nvPr/>
+            </p:nvSpPr>
+            <p:spPr>
+              <a:xfrm>
+                <a:off x="3508956" y="3171971"/>
+                <a:ext cx="1614224" cy="276999"/>
+              </a:xfrm>
+              <a:prstGeom prst="rect">
+                <a:avLst/>
+              </a:prstGeom>
+              <a:blipFill>
+                <a:blip r:embed="rId3"/>
+                <a:stretch>
+                  <a:fillRect t="-4348" b="-15217"/>
+                </a:stretch>
+              </a:blipFill>
+            </p:spPr>
+            <p:txBody>
+              <a:bodyPr/>
+              <a:lstStyle/>
+              <a:p>
+                <a:r>
+                  <a:rPr lang="fr-FR">
+                    <a:noFill/>
+                  </a:rPr>
+                  <a:t> </a:t>
+                </a:r>
+              </a:p>
+            </p:txBody>
+          </p:sp>
+        </mc:Fallback>
+      </mc:AlternateContent>
+      <mc:AlternateContent xmlns:mc="http://schemas.openxmlformats.org/markup-compatibility/2006">
+        <mc:Choice xmlns:a14="http://schemas.microsoft.com/office/drawing/2010/main" Requires="a14">
+          <p:sp>
+            <p:nvSpPr>
+              <p:cNvPr id="26" name="ZoneTexte 25">
+                <a:extLst>
+                  <a:ext uri="{FF2B5EF4-FFF2-40B4-BE49-F238E27FC236}">
+                    <a16:creationId xmlns:a16="http://schemas.microsoft.com/office/drawing/2014/main" id="{3C99E278-1AE7-431C-AC20-E5CF694D7DA1}"/>
+                  </a:ext>
+                </a:extLst>
+              </p:cNvPr>
+              <p:cNvSpPr txBox="1"/>
+              <p:nvPr/>
+            </p:nvSpPr>
+            <p:spPr>
+              <a:xfrm>
+                <a:off x="7806637" y="3152001"/>
+                <a:ext cx="1946302" cy="276999"/>
+              </a:xfrm>
+              <a:prstGeom prst="rect">
+                <a:avLst/>
+              </a:prstGeom>
+              <a:solidFill>
+                <a:schemeClr val="bg1"/>
+              </a:solidFill>
+            </p:spPr>
+            <p:txBody>
+              <a:bodyPr wrap="none" lIns="0" tIns="0" rIns="0" bIns="0" rtlCol="0">
+                <a:spAutoFit/>
+              </a:bodyPr>
+              <a:lstStyle/>
+              <a:p>
+                <a14:m>
+                  <m:oMathPara xmlns:m="http://schemas.openxmlformats.org/officeDocument/2006/math">
+                    <m:oMathParaPr>
+                      <m:jc m:val="centerGroup"/>
+                    </m:oMathParaPr>
+                    <m:oMath xmlns:m="http://schemas.openxmlformats.org/officeDocument/2006/math">
+                      <m:sSub>
+                        <m:sSubPr>
+                          <m:ctrlPr>
+                            <a:rPr lang="fr-FR" b="0" i="1" smtClean="0">
+                              <a:latin typeface="Cambria Math" panose="02040503050406030204" pitchFamily="18" charset="0"/>
+                            </a:rPr>
+                          </m:ctrlPr>
+                        </m:sSubPr>
+                        <m:e>
+                          <m:r>
+                            <a:rPr lang="fr-FR" b="0" i="1" smtClean="0">
+                              <a:latin typeface="Cambria Math" panose="02040503050406030204" pitchFamily="18" charset="0"/>
+                            </a:rPr>
+                            <m:t>𝜔</m:t>
+                          </m:r>
+                        </m:e>
+                        <m:sub>
+                          <m:r>
+                            <a:rPr lang="fr-FR" b="0" i="1" smtClean="0">
+                              <a:latin typeface="Cambria Math" panose="02040503050406030204" pitchFamily="18" charset="0"/>
+                            </a:rPr>
+                            <m:t>1</m:t>
+                          </m:r>
+                        </m:sub>
+                      </m:sSub>
+                      <m:r>
+                        <a:rPr lang="fr-FR" b="0" i="1" smtClean="0">
+                          <a:latin typeface="Cambria Math" panose="02040503050406030204" pitchFamily="18" charset="0"/>
+                        </a:rPr>
+                        <m:t>=</m:t>
+                      </m:r>
+                      <m:r>
+                        <a:rPr lang="fr-FR" b="0" i="0" smtClean="0">
+                          <a:latin typeface="Cambria Math" panose="02040503050406030204" pitchFamily="18" charset="0"/>
+                        </a:rPr>
+                        <m:t>1000 </m:t>
+                      </m:r>
+                      <m:r>
+                        <m:rPr>
+                          <m:sty m:val="p"/>
+                        </m:rPr>
+                        <a:rPr lang="fr-FR" b="0" i="0" smtClean="0">
+                          <a:latin typeface="Cambria Math" panose="02040503050406030204" pitchFamily="18" charset="0"/>
+                        </a:rPr>
+                        <m:t>rad</m:t>
+                      </m:r>
+                      <m:r>
+                        <a:rPr lang="fr-FR" b="0" i="0" smtClean="0">
+                          <a:latin typeface="Cambria Math" panose="02040503050406030204" pitchFamily="18" charset="0"/>
+                        </a:rPr>
+                        <m:t>.</m:t>
+                      </m:r>
+                      <m:sSup>
+                        <m:sSupPr>
+                          <m:ctrlPr>
+                            <a:rPr lang="fr-FR" b="0" smtClean="0">
+                              <a:latin typeface="Cambria Math" panose="02040503050406030204" pitchFamily="18" charset="0"/>
+                            </a:rPr>
+                          </m:ctrlPr>
+                        </m:sSupPr>
+                        <m:e>
+                          <m:r>
+                            <m:rPr>
+                              <m:sty m:val="p"/>
+                            </m:rPr>
+                            <a:rPr lang="fr-FR" b="0" i="0" smtClean="0">
+                              <a:latin typeface="Cambria Math" panose="02040503050406030204" pitchFamily="18" charset="0"/>
+                            </a:rPr>
+                            <m:t>s</m:t>
+                          </m:r>
+                        </m:e>
+                        <m:sup>
+                          <m:r>
+                            <a:rPr lang="fr-FR" b="0" i="0" smtClean="0">
+                              <a:latin typeface="Cambria Math" panose="02040503050406030204" pitchFamily="18" charset="0"/>
+                            </a:rPr>
+                            <m:t>−1</m:t>
+                          </m:r>
+                        </m:sup>
+                      </m:sSup>
+                    </m:oMath>
+                  </m:oMathPara>
+                </a14:m>
+                <a:endParaRPr lang="fr-FR" dirty="0"/>
+              </a:p>
+            </p:txBody>
+          </p:sp>
+        </mc:Choice>
+        <mc:Fallback>
+          <p:sp>
+            <p:nvSpPr>
+              <p:cNvPr id="26" name="ZoneTexte 25">
+                <a:extLst>
+                  <a:ext uri="{FF2B5EF4-FFF2-40B4-BE49-F238E27FC236}">
+                    <a16:creationId xmlns:a16="http://schemas.microsoft.com/office/drawing/2014/main" id="{3C99E278-1AE7-431C-AC20-E5CF694D7DA1}"/>
+                  </a:ext>
+                </a:extLst>
+              </p:cNvPr>
+              <p:cNvSpPr txBox="1">
+                <a:spLocks noRot="1" noChangeAspect="1" noMove="1" noResize="1" noEditPoints="1" noAdjustHandles="1" noChangeArrowheads="1" noChangeShapeType="1" noTextEdit="1"/>
+              </p:cNvSpPr>
+              <p:nvPr/>
+            </p:nvSpPr>
+            <p:spPr>
+              <a:xfrm>
+                <a:off x="7806637" y="3152001"/>
+                <a:ext cx="1946302" cy="276999"/>
+              </a:xfrm>
+              <a:prstGeom prst="rect">
+                <a:avLst/>
+              </a:prstGeom>
+              <a:blipFill>
+                <a:blip r:embed="rId4"/>
+                <a:stretch>
+                  <a:fillRect l="-1254" t="-4348" r="-940" b="-15217"/>
+                </a:stretch>
+              </a:blipFill>
+            </p:spPr>
+            <p:txBody>
+              <a:bodyPr/>
+              <a:lstStyle/>
+              <a:p>
+                <a:r>
+                  <a:rPr lang="fr-FR">
+                    <a:noFill/>
+                  </a:rPr>
+                  <a:t> </a:t>
+                </a:r>
+              </a:p>
+            </p:txBody>
+          </p:sp>
+        </mc:Fallback>
+      </mc:AlternateContent>
+    </p:spTree>
+    <p:extLst>
+      <p:ext uri="{BB962C8B-B14F-4D97-AF65-F5344CB8AC3E}">
+        <p14:creationId xmlns:p14="http://schemas.microsoft.com/office/powerpoint/2010/main" val="3309160433"/>
       </p:ext>
     </p:extLst>
   </p:cSld>
